--- a/Session_03/Session-03.pptx
+++ b/Session_03/Session-03.pptx
@@ -316,7 +316,7 @@
           <a:p>
             <a:fld id="{BE292657-F949-4EB0-8214-8326A5CBD4FD}" type="datetimeFigureOut">
               <a:rPr lang="en-US" smtClean="0"/>
-              <a:t>3/22/2022</a:t>
+              <a:t>2/1/23</a:t>
             </a:fld>
             <a:endParaRPr lang="en-US"/>
           </a:p>
@@ -3558,7 +3558,7 @@
           <a:p>
             <a:fld id="{FC80525F-52E0-4DF5-8F06-12AA7BDE7FE6}" type="slidenum">
               <a:rPr lang="en-US" smtClean="0"/>
-              <a:t>45</a:t>
+              <a:t>44</a:t>
             </a:fld>
             <a:endParaRPr lang="en-US"/>
           </a:p>
@@ -3642,7 +3642,7 @@
           <a:p>
             <a:fld id="{FC80525F-52E0-4DF5-8F06-12AA7BDE7FE6}" type="slidenum">
               <a:rPr lang="en-US" smtClean="0"/>
-              <a:t>44</a:t>
+              <a:t>45</a:t>
             </a:fld>
             <a:endParaRPr lang="en-US"/>
           </a:p>
@@ -4305,7 +4305,7 @@
           <a:p>
             <a:fld id="{0ACB4B7C-78FE-41F8-9ED2-ADBDDA9DE3CA}" type="datetime1">
               <a:rPr lang="en-US" smtClean="0"/>
-              <a:t>3/22/2022</a:t>
+              <a:t>2/1/23</a:t>
             </a:fld>
             <a:endParaRPr lang="en-US"/>
           </a:p>
@@ -4516,7 +4516,7 @@
           <a:p>
             <a:fld id="{AA141C26-9B01-4994-8F61-A641C35A28A0}" type="datetime1">
               <a:rPr lang="en-US" smtClean="0"/>
-              <a:t>3/22/2022</a:t>
+              <a:t>2/1/23</a:t>
             </a:fld>
             <a:endParaRPr lang="en-US"/>
           </a:p>
@@ -4770,7 +4770,7 @@
           <a:p>
             <a:fld id="{08451999-8452-4809-B305-4591E7E75DE6}" type="datetime1">
               <a:rPr lang="en-US" smtClean="0"/>
-              <a:t>3/22/2022</a:t>
+              <a:t>2/1/23</a:t>
             </a:fld>
             <a:endParaRPr lang="en-US"/>
           </a:p>
@@ -4942,7 +4942,7 @@
           <a:p>
             <a:fld id="{BCDB7CE7-A0F4-4634-BD93-8831D0F1C4FF}" type="datetime1">
               <a:rPr lang="en-US" smtClean="0"/>
-              <a:t>3/22/2022</a:t>
+              <a:t>2/1/23</a:t>
             </a:fld>
             <a:endParaRPr lang="en-US"/>
           </a:p>
@@ -5284,7 +5284,7 @@
           <a:p>
             <a:fld id="{F01D85E9-0FA5-458D-B085-5514D578EFAD}" type="datetime1">
               <a:rPr lang="en-US" smtClean="0"/>
-              <a:t>3/22/2022</a:t>
+              <a:t>2/1/23</a:t>
             </a:fld>
             <a:endParaRPr lang="en-US"/>
           </a:p>
@@ -5556,7 +5556,7 @@
           <a:p>
             <a:fld id="{3940C947-DF96-4C8F-B648-B9795ED65CD9}" type="datetime1">
               <a:rPr lang="en-US" smtClean="0"/>
-              <a:t>3/22/2022</a:t>
+              <a:t>2/1/23</a:t>
             </a:fld>
             <a:endParaRPr lang="en-US"/>
           </a:p>
@@ -5932,7 +5932,7 @@
           <a:p>
             <a:fld id="{47B91DFB-9622-4FA4-921D-17BD1EABB3ED}" type="datetime1">
               <a:rPr lang="en-US" smtClean="0"/>
-              <a:t>3/22/2022</a:t>
+              <a:t>2/1/23</a:t>
             </a:fld>
             <a:endParaRPr lang="en-US"/>
           </a:p>
@@ -6049,7 +6049,7 @@
           <a:p>
             <a:fld id="{BCDCF20A-1D81-4765-A7BF-6289062AC7A3}" type="datetime1">
               <a:rPr lang="en-US" smtClean="0"/>
-              <a:t>3/22/2022</a:t>
+              <a:t>2/1/23</a:t>
             </a:fld>
             <a:endParaRPr lang="en-US"/>
           </a:p>
@@ -6220,7 +6220,7 @@
           <a:p>
             <a:fld id="{4B90368A-4981-4ABE-874D-CF96C485871E}" type="datetime1">
               <a:rPr lang="en-US" smtClean="0"/>
-              <a:t>3/22/2022</a:t>
+              <a:t>2/1/23</a:t>
             </a:fld>
             <a:endParaRPr lang="en-US"/>
           </a:p>
@@ -6572,7 +6572,7 @@
           <a:p>
             <a:fld id="{D4EBA8ED-CF5B-4F08-A4F3-4EF706866F2A}" type="datetime1">
               <a:rPr lang="en-US" smtClean="0"/>
-              <a:t>3/22/2022</a:t>
+              <a:t>2/1/23</a:t>
             </a:fld>
             <a:endParaRPr lang="en-US"/>
           </a:p>
@@ -6952,7 +6952,7 @@
           <a:p>
             <a:fld id="{FCE6421B-BCEE-4D8C-939B-7C7E6783DFBD}" type="datetime1">
               <a:rPr lang="en-US" smtClean="0"/>
-              <a:t>3/22/2022</a:t>
+              <a:t>2/1/23</a:t>
             </a:fld>
             <a:endParaRPr lang="en-US"/>
           </a:p>
@@ -7237,7 +7237,7 @@
           <a:p>
             <a:fld id="{4AA39791-2184-4B0A-93AF-BA62E49B5D59}" type="datetime1">
               <a:rPr lang="en-US" smtClean="0"/>
-              <a:t>3/22/2022</a:t>
+              <a:t>2/1/23</a:t>
             </a:fld>
             <a:endParaRPr lang="en-US"/>
           </a:p>
@@ -13192,12 +13192,44 @@
           <a:lstStyle/>
           <a:p>
             <a:r>
-              <a:rPr lang="en-US">
+              <a:rPr lang="en-US" dirty="0">
                 <a:solidFill>
                   <a:schemeClr val="tx1"/>
                 </a:solidFill>
               </a:rPr>
-              <a:t>2. Triển khai MLP</a:t>
+              <a:t>2. </a:t>
+            </a:r>
+            <a:r>
+              <a:rPr lang="en-US" dirty="0" err="1">
+                <a:solidFill>
+                  <a:schemeClr val="tx1"/>
+                </a:solidFill>
+              </a:rPr>
+              <a:t>Triển</a:t>
+            </a:r>
+            <a:r>
+              <a:rPr lang="en-US" dirty="0">
+                <a:solidFill>
+                  <a:schemeClr val="tx1"/>
+                </a:solidFill>
+              </a:rPr>
+              <a:t> </a:t>
+            </a:r>
+            <a:r>
+              <a:rPr lang="en-US" dirty="0" err="1">
+                <a:solidFill>
+                  <a:schemeClr val="tx1"/>
+                </a:solidFill>
+              </a:rPr>
+              <a:t>khai</a:t>
+            </a:r>
+            <a:r>
+              <a:rPr lang="en-US" dirty="0">
+                <a:solidFill>
+                  <a:schemeClr val="tx1"/>
+                </a:solidFill>
+              </a:rPr>
+              <a:t> MLP</a:t>
             </a:r>
           </a:p>
         </p:txBody>
@@ -13229,16 +13261,93 @@
               <a:buChar char="q"/>
             </a:pPr>
             <a:r>
-              <a:rPr lang="en-US"/>
-              <a:t> B2: Mở một phiên làm việc, truyền dữ liệu và chạy</a:t>
-            </a:r>
+              <a:rPr lang="en-US" dirty="0"/>
+              <a:t> B2: </a:t>
+            </a:r>
+            <a:r>
+              <a:rPr lang="en-US" dirty="0" err="1"/>
+              <a:t>Mở</a:t>
+            </a:r>
+            <a:r>
+              <a:rPr lang="en-US" dirty="0"/>
+              <a:t> </a:t>
+            </a:r>
+            <a:r>
+              <a:rPr lang="en-US" dirty="0" err="1"/>
+              <a:t>một</a:t>
+            </a:r>
+            <a:r>
+              <a:rPr lang="en-US" dirty="0"/>
+              <a:t> </a:t>
+            </a:r>
+            <a:r>
+              <a:rPr lang="en-US" dirty="0" err="1"/>
+              <a:t>phiên</a:t>
+            </a:r>
+            <a:r>
+              <a:rPr lang="en-US" dirty="0"/>
+              <a:t> </a:t>
+            </a:r>
+            <a:r>
+              <a:rPr lang="en-US" dirty="0" err="1"/>
+              <a:t>làm</a:t>
+            </a:r>
+            <a:r>
+              <a:rPr lang="en-US" dirty="0"/>
+              <a:t> </a:t>
+            </a:r>
+            <a:r>
+              <a:rPr lang="en-US" dirty="0" err="1"/>
+              <a:t>việc</a:t>
+            </a:r>
+            <a:r>
+              <a:rPr lang="en-US" dirty="0"/>
+              <a:t>, </a:t>
+            </a:r>
+            <a:r>
+              <a:rPr lang="en-US" dirty="0" err="1"/>
+              <a:t>truyền</a:t>
+            </a:r>
+            <a:r>
+              <a:rPr lang="en-US" dirty="0"/>
+              <a:t> </a:t>
+            </a:r>
+            <a:r>
+              <a:rPr lang="en-US" dirty="0" err="1"/>
+              <a:t>dữ</a:t>
+            </a:r>
+            <a:r>
+              <a:rPr lang="en-US" dirty="0"/>
+              <a:t> </a:t>
+            </a:r>
+            <a:r>
+              <a:rPr lang="en-US" dirty="0" err="1"/>
+              <a:t>liệu</a:t>
+            </a:r>
+            <a:r>
+              <a:rPr lang="en-US" dirty="0"/>
+              <a:t> </a:t>
+            </a:r>
+            <a:r>
+              <a:rPr lang="en-US" dirty="0" err="1"/>
+              <a:t>và</a:t>
+            </a:r>
+            <a:r>
+              <a:rPr lang="en-US" dirty="0"/>
+              <a:t> </a:t>
+            </a:r>
+            <a:r>
+              <a:rPr lang="en-US" dirty="0" err="1"/>
+              <a:t>chạy</a:t>
+            </a:r>
+            <a:endParaRPr lang="en-US" dirty="0"/>
           </a:p>
           <a:p>
             <a:pPr marL="0" indent="0">
               <a:buNone/>
             </a:pPr>
             <a:r>
-              <a:rPr lang="en-US">
+              <a:rPr lang="en-US" dirty="0">
                 <a:solidFill>
                   <a:srgbClr val="FF0000"/>
                 </a:solidFill>
@@ -13246,21 +13355,42 @@
               <a:t>	</a:t>
             </a:r>
             <a:r>
-              <a:rPr lang="en-US">
+              <a:rPr lang="en-US" dirty="0">
                 <a:solidFill>
                   <a:schemeClr val="tx1"/>
                 </a:solidFill>
               </a:rPr>
-              <a:t>&gt; hàm </a:t>
-            </a:r>
-            <a:r>
-              <a:rPr lang="en-US">
+              <a:t>&gt; </a:t>
+            </a:r>
+            <a:r>
+              <a:rPr lang="en-US" dirty="0" err="1">
+                <a:solidFill>
+                  <a:schemeClr val="tx1"/>
+                </a:solidFill>
+              </a:rPr>
+              <a:t>hàm</a:t>
+            </a:r>
+            <a:r>
+              <a:rPr lang="en-US" dirty="0">
+                <a:solidFill>
+                  <a:schemeClr val="tx1"/>
+                </a:solidFill>
+              </a:rPr>
+              <a:t> </a:t>
+            </a:r>
+            <a:r>
+              <a:rPr lang="en-US" dirty="0" err="1">
                 <a:solidFill>
                   <a:srgbClr val="FF0000"/>
                 </a:solidFill>
               </a:rPr>
               <a:t>load_dataset</a:t>
             </a:r>
+            <a:endParaRPr lang="en-US" dirty="0">
+              <a:solidFill>
+                <a:srgbClr val="FF0000"/>
+              </a:solidFill>
+            </a:endParaRPr>
           </a:p>
         </p:txBody>
       </p:sp>
@@ -17441,21 +17571,6 @@
 </file>
 
 <file path=customXml/item1.xml><?xml version="1.0" encoding="utf-8"?>
-<p:properties xmlns:p="http://schemas.microsoft.com/office/2006/metadata/properties" xmlns:xsi="http://www.w3.org/2001/XMLSchema-instance" xmlns:pc="http://schemas.microsoft.com/office/infopath/2007/PartnerControls">
-  <documentManagement/>
-</p:properties>
-</file>
-
-<file path=customXml/item2.xml><?xml version="1.0" encoding="utf-8"?>
-<?mso-contentType ?>
-<FormTemplates xmlns="http://schemas.microsoft.com/sharepoint/v3/contenttype/forms">
-  <Display>DocumentLibraryForm</Display>
-  <Edit>DocumentLibraryForm</Edit>
-  <New>DocumentLibraryForm</New>
-</FormTemplates>
-</file>
-
-<file path=customXml/item3.xml><?xml version="1.0" encoding="utf-8"?>
 <ct:contentTypeSchema xmlns:ct="http://schemas.microsoft.com/office/2006/metadata/contentType" xmlns:ma="http://schemas.microsoft.com/office/2006/metadata/properties/metaAttributes" ct:_="" ma:_="" ma:contentTypeName="Document" ma:contentTypeID="0x01010068F118E21B99204C91D146C561430925" ma:contentTypeVersion="4" ma:contentTypeDescription="Create a new document." ma:contentTypeScope="" ma:versionID="55b6a0e5318d4e37682ee6a89c351aad">
   <xsd:schema xmlns:xsd="http://www.w3.org/2001/XMLSchema" xmlns:xs="http://www.w3.org/2001/XMLSchema" xmlns:p="http://schemas.microsoft.com/office/2006/metadata/properties" xmlns:ns2="9e24faa2-8f4a-48de-ad6a-0e527f10a801" targetNamespace="http://schemas.microsoft.com/office/2006/metadata/properties" ma:root="true" ma:fieldsID="a8a6bde89e908da18980281cf9736dca" ns2:_="">
     <xsd:import namespace="9e24faa2-8f4a-48de-ad6a-0e527f10a801"/>
@@ -17599,7 +17714,40 @@
 </ct:contentTypeSchema>
 </file>
 
+<file path=customXml/item2.xml><?xml version="1.0" encoding="utf-8"?>
+<p:properties xmlns:p="http://schemas.microsoft.com/office/2006/metadata/properties" xmlns:xsi="http://www.w3.org/2001/XMLSchema-instance" xmlns:pc="http://schemas.microsoft.com/office/infopath/2007/PartnerControls">
+  <documentManagement/>
+</p:properties>
+</file>
+
+<file path=customXml/item3.xml><?xml version="1.0" encoding="utf-8"?>
+<?mso-contentType ?>
+<FormTemplates xmlns="http://schemas.microsoft.com/sharepoint/v3/contenttype/forms">
+  <Display>DocumentLibraryForm</Display>
+  <Edit>DocumentLibraryForm</Edit>
+  <New>DocumentLibraryForm</New>
+</FormTemplates>
+</file>
+
 <file path=customXml/itemProps1.xml><?xml version="1.0" encoding="utf-8"?>
+<ds:datastoreItem xmlns:ds="http://schemas.openxmlformats.org/officeDocument/2006/customXml" ds:itemID="{BC2F7345-B1DE-4720-9E20-4BEE8335C43B}">
+  <ds:schemaRefs>
+    <ds:schemaRef ds:uri="http://schemas.microsoft.com/office/2006/metadata/contentType"/>
+    <ds:schemaRef ds:uri="http://schemas.microsoft.com/office/2006/metadata/properties/metaAttributes"/>
+    <ds:schemaRef ds:uri="http://www.w3.org/2001/XMLSchema"/>
+    <ds:schemaRef ds:uri="http://schemas.microsoft.com/office/2006/metadata/properties"/>
+    <ds:schemaRef ds:uri="9e24faa2-8f4a-48de-ad6a-0e527f10a801"/>
+    <ds:schemaRef ds:uri="http://schemas.microsoft.com/office/2006/documentManagement/types"/>
+    <ds:schemaRef ds:uri="http://schemas.microsoft.com/office/infopath/2007/PartnerControls"/>
+    <ds:schemaRef ds:uri="http://schemas.openxmlformats.org/package/2006/metadata/core-properties"/>
+    <ds:schemaRef ds:uri="http://purl.org/dc/elements/1.1/"/>
+    <ds:schemaRef ds:uri="http://purl.org/dc/terms/"/>
+    <ds:schemaRef ds:uri="http://schemas.microsoft.com/internal/obd"/>
+  </ds:schemaRefs>
+</ds:datastoreItem>
+</file>
+
+<file path=customXml/itemProps2.xml><?xml version="1.0" encoding="utf-8"?>
 <ds:datastoreItem xmlns:ds="http://schemas.openxmlformats.org/officeDocument/2006/customXml" ds:itemID="{6D0DAAFB-A3CA-46D0-8F35-DE7BE3DD9F3E}">
   <ds:schemaRefs>
     <ds:schemaRef ds:uri="http://schemas.microsoft.com/office/2006/metadata/properties"/>
@@ -17608,14 +17756,10 @@
 </ds:datastoreItem>
 </file>
 
-<file path=customXml/itemProps2.xml><?xml version="1.0" encoding="utf-8"?>
+<file path=customXml/itemProps3.xml><?xml version="1.0" encoding="utf-8"?>
 <ds:datastoreItem xmlns:ds="http://schemas.openxmlformats.org/officeDocument/2006/customXml" ds:itemID="{1A90660C-76E7-4B10-9852-E6C8F9504B99}">
   <ds:schemaRefs>
     <ds:schemaRef ds:uri="http://schemas.microsoft.com/sharepoint/v3/contenttype/forms"/>
   </ds:schemaRefs>
 </ds:datastoreItem>
-</file>
-
-<file path=customXml/itemProps3.xml><?xml version="1.0" encoding="utf-8"?>
-<ds:datastoreItem xmlns:ds="http://schemas.openxmlformats.org/officeDocument/2006/customXml" ds:itemID="{BC2F7345-B1DE-4720-9E20-4BEE8335C43B}"/>
 </file>